--- a/template/certificate_template.pptx
+++ b/template/certificate_template.pptx
@@ -1,25 +1,32 @@
 
 <file path=ppt/presentation.xml><?xml version="1.0" encoding="utf-8"?>
-<p:presentation xmlns:a="http://schemas.openxmlformats.org/drawingml/2006/main" xmlns:r="http://schemas.openxmlformats.org/officeDocument/2006/relationships" xmlns:p="http://schemas.openxmlformats.org/presentationml/2006/main" saveSubsetFonts="1" embedTrueTypeFonts="true">
+<p:presentation xmlns:a="http://schemas.openxmlformats.org/drawingml/2006/main" xmlns:r="http://schemas.openxmlformats.org/officeDocument/2006/relationships" xmlns:p="http://schemas.openxmlformats.org/presentationml/2006/main" embedTrueTypeFonts="1" saveSubsetFonts="1">
   <p:sldMasterIdLst>
     <p:sldMasterId id="2147483648" r:id="rId1"/>
   </p:sldMasterIdLst>
   <p:sldIdLst>
-    <p:sldId id="256" r:id="rId6"/>
+    <p:sldId id="256" r:id="rId2"/>
   </p:sldIdLst>
   <p:sldSz cx="10693400" cy="7556500"/>
   <p:notesSz cx="6858000" cy="9144000"/>
   <p:embeddedFontLst>
     <p:embeddedFont>
-      <p:font typeface="Unna Bold" charset="1" panose="02040703070705020203"/>
+      <p:font typeface="Calibri" panose="020F0502020204030204" pitchFamily="34" charset="0"/>
+      <p:regular r:id="rId3"/>
+      <p:bold r:id="rId4"/>
+      <p:italic r:id="rId5"/>
+      <p:boldItalic r:id="rId6"/>
+    </p:embeddedFont>
+    <p:embeddedFont>
+      <p:font typeface="Unna" panose="020B0604020202020204" charset="0"/>
       <p:regular r:id="rId7"/>
     </p:embeddedFont>
     <p:embeddedFont>
-      <p:font typeface="Unna Italics" charset="1" panose="02040503070705090203"/>
+      <p:font typeface="Unna Bold" panose="020B0604020202020204" charset="0"/>
       <p:regular r:id="rId8"/>
     </p:embeddedFont>
     <p:embeddedFont>
-      <p:font typeface="Unna" charset="1" panose="02040503070705020203"/>
+      <p:font typeface="Unna Italics" panose="020B0604020202020204" charset="0"/>
       <p:regular r:id="rId9"/>
     </p:embeddedFont>
   </p:embeddedFontLst>
@@ -118,6 +125,22 @@
       </a:defRPr>
     </a:lvl9pPr>
   </p:defaultTextStyle>
+  <p:extLst>
+    <p:ext uri="{EFAFB233-063F-42B5-8137-9DF3F51BA10A}">
+      <p15:sldGuideLst xmlns:p15="http://schemas.microsoft.com/office/powerpoint/2012/main">
+        <p15:guide id="1" orient="horz" pos="2160">
+          <p15:clr>
+            <a:srgbClr val="A4A3A4"/>
+          </p15:clr>
+        </p15:guide>
+        <p15:guide id="2" pos="2880">
+          <p15:clr>
+            <a:srgbClr val="A4A3A4"/>
+          </p15:clr>
+        </p15:guide>
+      </p15:sldGuideLst>
+    </p:ext>
+  </p:extLst>
 </p:presentation>
 </file>
 
@@ -159,10 +182,9 @@
           <a:lstStyle/>
           <a:p>
             <a:r>
-              <a:rPr lang="en-US" smtClean="0"/>
+              <a:rPr lang="en-US"/>
               <a:t>Click to edit Master title style</a:t>
             </a:r>
-            <a:endParaRPr lang="en-US"/>
           </a:p>
         </p:txBody>
       </p:sp>
@@ -278,10 +300,9 @@
           </a:lstStyle>
           <a:p>
             <a:r>
-              <a:rPr lang="en-US" smtClean="0"/>
+              <a:rPr lang="en-US"/>
               <a:t>Click to edit Master subtitle style</a:t>
             </a:r>
-            <a:endParaRPr lang="en-US"/>
           </a:p>
         </p:txBody>
       </p:sp>
@@ -303,7 +324,7 @@
             <a:fld id="{1D8BD707-D9CF-40AE-B4C6-C98DA3205C09}" type="datetimeFigureOut">
               <a:rPr lang="en-US" smtClean="0"/>
               <a:pPr/>
-              <a:t>8/1/2011</a:t>
+              <a:t>10/22/2025</a:t>
             </a:fld>
             <a:endParaRPr lang="en-US"/>
           </a:p>
@@ -393,10 +414,9 @@
           <a:lstStyle/>
           <a:p>
             <a:r>
-              <a:rPr lang="en-US" smtClean="0"/>
+              <a:rPr lang="en-US"/>
               <a:t>Click to edit Master title style</a:t>
             </a:r>
-            <a:endParaRPr lang="en-US"/>
           </a:p>
         </p:txBody>
       </p:sp>
@@ -417,38 +437,37 @@
           <a:p>
             <a:pPr lvl="0"/>
             <a:r>
-              <a:rPr lang="en-US" smtClean="0"/>
+              <a:rPr lang="en-US"/>
               <a:t>Click to edit Master text styles</a:t>
             </a:r>
           </a:p>
           <a:p>
             <a:pPr lvl="1"/>
             <a:r>
-              <a:rPr lang="en-US" smtClean="0"/>
+              <a:rPr lang="en-US"/>
               <a:t>Second level</a:t>
             </a:r>
           </a:p>
           <a:p>
             <a:pPr lvl="2"/>
             <a:r>
-              <a:rPr lang="en-US" smtClean="0"/>
+              <a:rPr lang="en-US"/>
               <a:t>Third level</a:t>
             </a:r>
           </a:p>
           <a:p>
             <a:pPr lvl="3"/>
             <a:r>
-              <a:rPr lang="en-US" smtClean="0"/>
+              <a:rPr lang="en-US"/>
               <a:t>Fourth level</a:t>
             </a:r>
           </a:p>
           <a:p>
             <a:pPr lvl="4"/>
             <a:r>
-              <a:rPr lang="en-US" smtClean="0"/>
+              <a:rPr lang="en-US"/>
               <a:t>Fifth level</a:t>
             </a:r>
-            <a:endParaRPr lang="en-US"/>
           </a:p>
         </p:txBody>
       </p:sp>
@@ -470,7 +489,7 @@
             <a:fld id="{1D8BD707-D9CF-40AE-B4C6-C98DA3205C09}" type="datetimeFigureOut">
               <a:rPr lang="en-US" smtClean="0"/>
               <a:pPr/>
-              <a:t>8/1/2011</a:t>
+              <a:t>10/22/2025</a:t>
             </a:fld>
             <a:endParaRPr lang="en-US"/>
           </a:p>
@@ -565,10 +584,9 @@
           <a:lstStyle/>
           <a:p>
             <a:r>
-              <a:rPr lang="en-US" smtClean="0"/>
+              <a:rPr lang="en-US"/>
               <a:t>Click to edit Master title style</a:t>
             </a:r>
-            <a:endParaRPr lang="en-US"/>
           </a:p>
         </p:txBody>
       </p:sp>
@@ -594,38 +612,37 @@
           <a:p>
             <a:pPr lvl="0"/>
             <a:r>
-              <a:rPr lang="en-US" smtClean="0"/>
+              <a:rPr lang="en-US"/>
               <a:t>Click to edit Master text styles</a:t>
             </a:r>
           </a:p>
           <a:p>
             <a:pPr lvl="1"/>
             <a:r>
-              <a:rPr lang="en-US" smtClean="0"/>
+              <a:rPr lang="en-US"/>
               <a:t>Second level</a:t>
             </a:r>
           </a:p>
           <a:p>
             <a:pPr lvl="2"/>
             <a:r>
-              <a:rPr lang="en-US" smtClean="0"/>
+              <a:rPr lang="en-US"/>
               <a:t>Third level</a:t>
             </a:r>
           </a:p>
           <a:p>
             <a:pPr lvl="3"/>
             <a:r>
-              <a:rPr lang="en-US" smtClean="0"/>
+              <a:rPr lang="en-US"/>
               <a:t>Fourth level</a:t>
             </a:r>
           </a:p>
           <a:p>
             <a:pPr lvl="4"/>
             <a:r>
-              <a:rPr lang="en-US" smtClean="0"/>
+              <a:rPr lang="en-US"/>
               <a:t>Fifth level</a:t>
             </a:r>
-            <a:endParaRPr lang="en-US"/>
           </a:p>
         </p:txBody>
       </p:sp>
@@ -647,7 +664,7 @@
             <a:fld id="{1D8BD707-D9CF-40AE-B4C6-C98DA3205C09}" type="datetimeFigureOut">
               <a:rPr lang="en-US" smtClean="0"/>
               <a:pPr/>
-              <a:t>8/1/2011</a:t>
+              <a:t>10/22/2025</a:t>
             </a:fld>
             <a:endParaRPr lang="en-US"/>
           </a:p>
@@ -737,10 +754,9 @@
           <a:lstStyle/>
           <a:p>
             <a:r>
-              <a:rPr lang="en-US" smtClean="0"/>
+              <a:rPr lang="en-US"/>
               <a:t>Click to edit Master title style</a:t>
             </a:r>
-            <a:endParaRPr lang="en-US"/>
           </a:p>
         </p:txBody>
       </p:sp>
@@ -761,38 +777,37 @@
           <a:p>
             <a:pPr lvl="0"/>
             <a:r>
-              <a:rPr lang="en-US" smtClean="0"/>
+              <a:rPr lang="en-US"/>
               <a:t>Click to edit Master text styles</a:t>
             </a:r>
           </a:p>
           <a:p>
             <a:pPr lvl="1"/>
             <a:r>
-              <a:rPr lang="en-US" smtClean="0"/>
+              <a:rPr lang="en-US"/>
               <a:t>Second level</a:t>
             </a:r>
           </a:p>
           <a:p>
             <a:pPr lvl="2"/>
             <a:r>
-              <a:rPr lang="en-US" smtClean="0"/>
+              <a:rPr lang="en-US"/>
               <a:t>Third level</a:t>
             </a:r>
           </a:p>
           <a:p>
             <a:pPr lvl="3"/>
             <a:r>
-              <a:rPr lang="en-US" smtClean="0"/>
+              <a:rPr lang="en-US"/>
               <a:t>Fourth level</a:t>
             </a:r>
           </a:p>
           <a:p>
             <a:pPr lvl="4"/>
             <a:r>
-              <a:rPr lang="en-US" smtClean="0"/>
+              <a:rPr lang="en-US"/>
               <a:t>Fifth level</a:t>
             </a:r>
-            <a:endParaRPr lang="en-US"/>
           </a:p>
         </p:txBody>
       </p:sp>
@@ -814,7 +829,7 @@
             <a:fld id="{1D8BD707-D9CF-40AE-B4C6-C98DA3205C09}" type="datetimeFigureOut">
               <a:rPr lang="en-US" smtClean="0"/>
               <a:pPr/>
-              <a:t>8/1/2011</a:t>
+              <a:t>10/22/2025</a:t>
             </a:fld>
             <a:endParaRPr lang="en-US"/>
           </a:p>
@@ -913,10 +928,9 @@
           </a:lstStyle>
           <a:p>
             <a:r>
-              <a:rPr lang="en-US" smtClean="0"/>
+              <a:rPr lang="en-US"/>
               <a:t>Click to edit Master title style</a:t>
             </a:r>
-            <a:endParaRPr lang="en-US"/>
           </a:p>
         </p:txBody>
       </p:sp>
@@ -1033,7 +1047,7 @@
           <a:p>
             <a:pPr lvl="0"/>
             <a:r>
-              <a:rPr lang="en-US" smtClean="0"/>
+              <a:rPr lang="en-US"/>
               <a:t>Click to edit Master text styles</a:t>
             </a:r>
           </a:p>
@@ -1057,7 +1071,7 @@
             <a:fld id="{1D8BD707-D9CF-40AE-B4C6-C98DA3205C09}" type="datetimeFigureOut">
               <a:rPr lang="en-US" smtClean="0"/>
               <a:pPr/>
-              <a:t>8/1/2011</a:t>
+              <a:t>10/22/2025</a:t>
             </a:fld>
             <a:endParaRPr lang="en-US"/>
           </a:p>
@@ -1147,10 +1161,9 @@
           <a:lstStyle/>
           <a:p>
             <a:r>
-              <a:rPr lang="en-US" smtClean="0"/>
+              <a:rPr lang="en-US"/>
               <a:t>Click to edit Master title style</a:t>
             </a:r>
-            <a:endParaRPr lang="en-US"/>
           </a:p>
         </p:txBody>
       </p:sp>
@@ -1204,38 +1217,37 @@
           <a:p>
             <a:pPr lvl="0"/>
             <a:r>
-              <a:rPr lang="en-US" smtClean="0"/>
+              <a:rPr lang="en-US"/>
               <a:t>Click to edit Master text styles</a:t>
             </a:r>
           </a:p>
           <a:p>
             <a:pPr lvl="1"/>
             <a:r>
-              <a:rPr lang="en-US" smtClean="0"/>
+              <a:rPr lang="en-US"/>
               <a:t>Second level</a:t>
             </a:r>
           </a:p>
           <a:p>
             <a:pPr lvl="2"/>
             <a:r>
-              <a:rPr lang="en-US" smtClean="0"/>
+              <a:rPr lang="en-US"/>
               <a:t>Third level</a:t>
             </a:r>
           </a:p>
           <a:p>
             <a:pPr lvl="3"/>
             <a:r>
-              <a:rPr lang="en-US" smtClean="0"/>
+              <a:rPr lang="en-US"/>
               <a:t>Fourth level</a:t>
             </a:r>
           </a:p>
           <a:p>
             <a:pPr lvl="4"/>
             <a:r>
-              <a:rPr lang="en-US" smtClean="0"/>
+              <a:rPr lang="en-US"/>
               <a:t>Fifth level</a:t>
             </a:r>
-            <a:endParaRPr lang="en-US"/>
           </a:p>
         </p:txBody>
       </p:sp>
@@ -1289,38 +1301,37 @@
           <a:p>
             <a:pPr lvl="0"/>
             <a:r>
-              <a:rPr lang="en-US" smtClean="0"/>
+              <a:rPr lang="en-US"/>
               <a:t>Click to edit Master text styles</a:t>
             </a:r>
           </a:p>
           <a:p>
             <a:pPr lvl="1"/>
             <a:r>
-              <a:rPr lang="en-US" smtClean="0"/>
+              <a:rPr lang="en-US"/>
               <a:t>Second level</a:t>
             </a:r>
           </a:p>
           <a:p>
             <a:pPr lvl="2"/>
             <a:r>
-              <a:rPr lang="en-US" smtClean="0"/>
+              <a:rPr lang="en-US"/>
               <a:t>Third level</a:t>
             </a:r>
           </a:p>
           <a:p>
             <a:pPr lvl="3"/>
             <a:r>
-              <a:rPr lang="en-US" smtClean="0"/>
+              <a:rPr lang="en-US"/>
               <a:t>Fourth level</a:t>
             </a:r>
           </a:p>
           <a:p>
             <a:pPr lvl="4"/>
             <a:r>
-              <a:rPr lang="en-US" smtClean="0"/>
+              <a:rPr lang="en-US"/>
               <a:t>Fifth level</a:t>
             </a:r>
-            <a:endParaRPr lang="en-US"/>
           </a:p>
         </p:txBody>
       </p:sp>
@@ -1342,7 +1353,7 @@
             <a:fld id="{1D8BD707-D9CF-40AE-B4C6-C98DA3205C09}" type="datetimeFigureOut">
               <a:rPr lang="en-US" smtClean="0"/>
               <a:pPr/>
-              <a:t>8/1/2011</a:t>
+              <a:t>10/22/2025</a:t>
             </a:fld>
             <a:endParaRPr lang="en-US"/>
           </a:p>
@@ -1436,10 +1447,9 @@
           </a:lstStyle>
           <a:p>
             <a:r>
-              <a:rPr lang="en-US" smtClean="0"/>
+              <a:rPr lang="en-US"/>
               <a:t>Click to edit Master title style</a:t>
             </a:r>
-            <a:endParaRPr lang="en-US"/>
           </a:p>
         </p:txBody>
       </p:sp>
@@ -1502,7 +1512,7 @@
           <a:p>
             <a:pPr lvl="0"/>
             <a:r>
-              <a:rPr lang="en-US" smtClean="0"/>
+              <a:rPr lang="en-US"/>
               <a:t>Click to edit Master text styles</a:t>
             </a:r>
           </a:p>
@@ -1558,38 +1568,37 @@
           <a:p>
             <a:pPr lvl="0"/>
             <a:r>
-              <a:rPr lang="en-US" smtClean="0"/>
+              <a:rPr lang="en-US"/>
               <a:t>Click to edit Master text styles</a:t>
             </a:r>
           </a:p>
           <a:p>
             <a:pPr lvl="1"/>
             <a:r>
-              <a:rPr lang="en-US" smtClean="0"/>
+              <a:rPr lang="en-US"/>
               <a:t>Second level</a:t>
             </a:r>
           </a:p>
           <a:p>
             <a:pPr lvl="2"/>
             <a:r>
-              <a:rPr lang="en-US" smtClean="0"/>
+              <a:rPr lang="en-US"/>
               <a:t>Third level</a:t>
             </a:r>
           </a:p>
           <a:p>
             <a:pPr lvl="3"/>
             <a:r>
-              <a:rPr lang="en-US" smtClean="0"/>
+              <a:rPr lang="en-US"/>
               <a:t>Fourth level</a:t>
             </a:r>
           </a:p>
           <a:p>
             <a:pPr lvl="4"/>
             <a:r>
-              <a:rPr lang="en-US" smtClean="0"/>
+              <a:rPr lang="en-US"/>
               <a:t>Fifth level</a:t>
             </a:r>
-            <a:endParaRPr lang="en-US"/>
           </a:p>
         </p:txBody>
       </p:sp>
@@ -1652,7 +1661,7 @@
           <a:p>
             <a:pPr lvl="0"/>
             <a:r>
-              <a:rPr lang="en-US" smtClean="0"/>
+              <a:rPr lang="en-US"/>
               <a:t>Click to edit Master text styles</a:t>
             </a:r>
           </a:p>
@@ -1708,38 +1717,37 @@
           <a:p>
             <a:pPr lvl="0"/>
             <a:r>
-              <a:rPr lang="en-US" smtClean="0"/>
+              <a:rPr lang="en-US"/>
               <a:t>Click to edit Master text styles</a:t>
             </a:r>
           </a:p>
           <a:p>
             <a:pPr lvl="1"/>
             <a:r>
-              <a:rPr lang="en-US" smtClean="0"/>
+              <a:rPr lang="en-US"/>
               <a:t>Second level</a:t>
             </a:r>
           </a:p>
           <a:p>
             <a:pPr lvl="2"/>
             <a:r>
-              <a:rPr lang="en-US" smtClean="0"/>
+              <a:rPr lang="en-US"/>
               <a:t>Third level</a:t>
             </a:r>
           </a:p>
           <a:p>
             <a:pPr lvl="3"/>
             <a:r>
-              <a:rPr lang="en-US" smtClean="0"/>
+              <a:rPr lang="en-US"/>
               <a:t>Fourth level</a:t>
             </a:r>
           </a:p>
           <a:p>
             <a:pPr lvl="4"/>
             <a:r>
-              <a:rPr lang="en-US" smtClean="0"/>
+              <a:rPr lang="en-US"/>
               <a:t>Fifth level</a:t>
             </a:r>
-            <a:endParaRPr lang="en-US"/>
           </a:p>
         </p:txBody>
       </p:sp>
@@ -1761,7 +1769,7 @@
             <a:fld id="{1D8BD707-D9CF-40AE-B4C6-C98DA3205C09}" type="datetimeFigureOut">
               <a:rPr lang="en-US" smtClean="0"/>
               <a:pPr/>
-              <a:t>8/1/2011</a:t>
+              <a:t>10/22/2025</a:t>
             </a:fld>
             <a:endParaRPr lang="en-US"/>
           </a:p>
@@ -1851,10 +1859,9 @@
           <a:lstStyle/>
           <a:p>
             <a:r>
-              <a:rPr lang="en-US" smtClean="0"/>
+              <a:rPr lang="en-US"/>
               <a:t>Click to edit Master title style</a:t>
             </a:r>
-            <a:endParaRPr lang="en-US"/>
           </a:p>
         </p:txBody>
       </p:sp>
@@ -1876,7 +1883,7 @@
             <a:fld id="{1D8BD707-D9CF-40AE-B4C6-C98DA3205C09}" type="datetimeFigureOut">
               <a:rPr lang="en-US" smtClean="0"/>
               <a:pPr/>
-              <a:t>8/1/2011</a:t>
+              <a:t>10/22/2025</a:t>
             </a:fld>
             <a:endParaRPr lang="en-US"/>
           </a:p>
@@ -1968,7 +1975,7 @@
             <a:fld id="{1D8BD707-D9CF-40AE-B4C6-C98DA3205C09}" type="datetimeFigureOut">
               <a:rPr lang="en-US" smtClean="0"/>
               <a:pPr/>
-              <a:t>8/1/2011</a:t>
+              <a:t>10/22/2025</a:t>
             </a:fld>
             <a:endParaRPr lang="en-US"/>
           </a:p>
@@ -2067,10 +2074,9 @@
           </a:lstStyle>
           <a:p>
             <a:r>
-              <a:rPr lang="en-US" smtClean="0"/>
+              <a:rPr lang="en-US"/>
               <a:t>Click to edit Master title style</a:t>
             </a:r>
-            <a:endParaRPr lang="en-US"/>
           </a:p>
         </p:txBody>
       </p:sp>
@@ -2124,38 +2130,37 @@
           <a:p>
             <a:pPr lvl="0"/>
             <a:r>
-              <a:rPr lang="en-US" smtClean="0"/>
+              <a:rPr lang="en-US"/>
               <a:t>Click to edit Master text styles</a:t>
             </a:r>
           </a:p>
           <a:p>
             <a:pPr lvl="1"/>
             <a:r>
-              <a:rPr lang="en-US" smtClean="0"/>
+              <a:rPr lang="en-US"/>
               <a:t>Second level</a:t>
             </a:r>
           </a:p>
           <a:p>
             <a:pPr lvl="2"/>
             <a:r>
-              <a:rPr lang="en-US" smtClean="0"/>
+              <a:rPr lang="en-US"/>
               <a:t>Third level</a:t>
             </a:r>
           </a:p>
           <a:p>
             <a:pPr lvl="3"/>
             <a:r>
-              <a:rPr lang="en-US" smtClean="0"/>
+              <a:rPr lang="en-US"/>
               <a:t>Fourth level</a:t>
             </a:r>
           </a:p>
           <a:p>
             <a:pPr lvl="4"/>
             <a:r>
-              <a:rPr lang="en-US" smtClean="0"/>
+              <a:rPr lang="en-US"/>
               <a:t>Fifth level</a:t>
             </a:r>
-            <a:endParaRPr lang="en-US"/>
           </a:p>
         </p:txBody>
       </p:sp>
@@ -2218,7 +2223,7 @@
           <a:p>
             <a:pPr lvl="0"/>
             <a:r>
-              <a:rPr lang="en-US" smtClean="0"/>
+              <a:rPr lang="en-US"/>
               <a:t>Click to edit Master text styles</a:t>
             </a:r>
           </a:p>
@@ -2242,7 +2247,7 @@
             <a:fld id="{1D8BD707-D9CF-40AE-B4C6-C98DA3205C09}" type="datetimeFigureOut">
               <a:rPr lang="en-US" smtClean="0"/>
               <a:pPr/>
-              <a:t>8/1/2011</a:t>
+              <a:t>10/22/2025</a:t>
             </a:fld>
             <a:endParaRPr lang="en-US"/>
           </a:p>
@@ -2341,10 +2346,9 @@
           </a:lstStyle>
           <a:p>
             <a:r>
-              <a:rPr lang="en-US" smtClean="0"/>
+              <a:rPr lang="en-US"/>
               <a:t>Click to edit Master title style</a:t>
             </a:r>
-            <a:endParaRPr lang="en-US"/>
           </a:p>
         </p:txBody>
       </p:sp>
@@ -2468,7 +2472,7 @@
           <a:p>
             <a:pPr lvl="0"/>
             <a:r>
-              <a:rPr lang="en-US" smtClean="0"/>
+              <a:rPr lang="en-US"/>
               <a:t>Click to edit Master text styles</a:t>
             </a:r>
           </a:p>
@@ -2492,7 +2496,7 @@
             <a:fld id="{1D8BD707-D9CF-40AE-B4C6-C98DA3205C09}" type="datetimeFigureOut">
               <a:rPr lang="en-US" smtClean="0"/>
               <a:pPr/>
-              <a:t>8/1/2011</a:t>
+              <a:t>10/22/2025</a:t>
             </a:fld>
             <a:endParaRPr lang="en-US"/>
           </a:p>
@@ -2597,10 +2601,9 @@
           <a:lstStyle/>
           <a:p>
             <a:r>
-              <a:rPr lang="en-US" smtClean="0"/>
+              <a:rPr lang="en-US"/>
               <a:t>Click to edit Master title style</a:t>
             </a:r>
-            <a:endParaRPr lang="en-US"/>
           </a:p>
         </p:txBody>
       </p:sp>
@@ -2631,38 +2634,37 @@
           <a:p>
             <a:pPr lvl="0"/>
             <a:r>
-              <a:rPr lang="en-US" smtClean="0"/>
+              <a:rPr lang="en-US"/>
               <a:t>Click to edit Master text styles</a:t>
             </a:r>
           </a:p>
           <a:p>
             <a:pPr lvl="1"/>
             <a:r>
-              <a:rPr lang="en-US" smtClean="0"/>
+              <a:rPr lang="en-US"/>
               <a:t>Second level</a:t>
             </a:r>
           </a:p>
           <a:p>
             <a:pPr lvl="2"/>
             <a:r>
-              <a:rPr lang="en-US" smtClean="0"/>
+              <a:rPr lang="en-US"/>
               <a:t>Third level</a:t>
             </a:r>
           </a:p>
           <a:p>
             <a:pPr lvl="3"/>
             <a:r>
-              <a:rPr lang="en-US" smtClean="0"/>
+              <a:rPr lang="en-US"/>
               <a:t>Fourth level</a:t>
             </a:r>
           </a:p>
           <a:p>
             <a:pPr lvl="4"/>
             <a:r>
-              <a:rPr lang="en-US" smtClean="0"/>
+              <a:rPr lang="en-US"/>
               <a:t>Fifth level</a:t>
             </a:r>
-            <a:endParaRPr lang="en-US"/>
           </a:p>
         </p:txBody>
       </p:sp>
@@ -2702,7 +2704,7 @@
             <a:fld id="{1D8BD707-D9CF-40AE-B4C6-C98DA3205C09}" type="datetimeFigureOut">
               <a:rPr lang="en-US" smtClean="0"/>
               <a:pPr/>
-              <a:t>8/1/2011</a:t>
+              <a:t>10/22/2025</a:t>
             </a:fld>
             <a:endParaRPr lang="en-US"/>
           </a:p>
@@ -3057,13 +3059,14 @@
 </file>
 
 <file path=ppt/slides/slide1.xml><?xml version="1.0" encoding="utf-8"?>
-<p:sld xmlns:p="http://schemas.openxmlformats.org/presentationml/2006/main" xmlns:a="http://schemas.openxmlformats.org/drawingml/2006/main" xmlns:r="http://schemas.openxmlformats.org/officeDocument/2006/relationships">
+<p:sld xmlns:a="http://schemas.openxmlformats.org/drawingml/2006/main" xmlns:r="http://schemas.openxmlformats.org/officeDocument/2006/relationships" xmlns:p="http://schemas.openxmlformats.org/presentationml/2006/main">
   <p:cSld>
     <p:bg>
       <p:bgPr>
         <a:solidFill>
           <a:srgbClr val="061B4D"/>
         </a:solidFill>
+        <a:effectLst/>
       </p:bgPr>
     </p:bg>
     <p:spTree>
@@ -3082,12 +3085,12 @@
       </p:grpSpPr>
       <p:sp>
         <p:nvSpPr>
-          <p:cNvPr name="Freeform 2" id="2"/>
+          <p:cNvPr id="2" name="Freeform 2"/>
           <p:cNvSpPr/>
           <p:nvPr/>
         </p:nvSpPr>
         <p:spPr>
-          <a:xfrm flipH="true" flipV="true" rot="0">
+          <a:xfrm flipH="1" flipV="1">
             <a:off x="8953515" y="-117729"/>
             <a:ext cx="1856067" cy="1858390"/>
           </a:xfrm>
@@ -3096,9 +3099,9 @@
             <a:gdLst/>
             <a:ahLst/>
             <a:cxnLst/>
-            <a:rect r="r" b="b" t="t" l="l"/>
+            <a:rect l="l" t="t" r="r" b="b"/>
             <a:pathLst>
-              <a:path h="1858390" w="1856067">
+              <a:path w="1856067" h="1858390">
                 <a:moveTo>
                   <a:pt x="1856066" y="1858390"/>
                 </a:moveTo>
@@ -3121,19 +3124,19 @@
           <a:blipFill>
             <a:blip r:embed="rId2"/>
             <a:stretch>
-              <a:fillRect l="0" t="0" r="0" b="0"/>
+              <a:fillRect/>
             </a:stretch>
           </a:blipFill>
         </p:spPr>
       </p:sp>
       <p:sp>
         <p:nvSpPr>
-          <p:cNvPr name="Freeform 3" id="3"/>
+          <p:cNvPr id="3" name="Freeform 3"/>
           <p:cNvSpPr/>
           <p:nvPr/>
         </p:nvSpPr>
         <p:spPr>
-          <a:xfrm flipH="false" flipV="false" rot="0">
+          <a:xfrm>
             <a:off x="348688" y="462771"/>
             <a:ext cx="9994625" cy="6658919"/>
           </a:xfrm>
@@ -3142,9 +3145,9 @@
             <a:gdLst/>
             <a:ahLst/>
             <a:cxnLst/>
-            <a:rect r="r" b="b" t="t" l="l"/>
+            <a:rect l="l" t="t" r="r" b="b"/>
             <a:pathLst>
-              <a:path h="6658919" w="9994625">
+              <a:path w="9994625" h="6658919">
                 <a:moveTo>
                   <a:pt x="0" y="0"/>
                 </a:moveTo>
@@ -3167,19 +3170,19 @@
           <a:blipFill>
             <a:blip r:embed="rId3"/>
             <a:stretch>
-              <a:fillRect l="0" t="0" r="0" b="0"/>
+              <a:fillRect/>
             </a:stretch>
           </a:blipFill>
         </p:spPr>
       </p:sp>
       <p:sp>
         <p:nvSpPr>
-          <p:cNvPr name="Freeform 4" id="4"/>
+          <p:cNvPr id="4" name="Freeform 4"/>
           <p:cNvSpPr/>
           <p:nvPr/>
         </p:nvSpPr>
         <p:spPr>
-          <a:xfrm flipH="false" flipV="true" rot="0">
+          <a:xfrm flipV="1">
             <a:off x="-448093" y="-408459"/>
             <a:ext cx="4121926" cy="4200689"/>
           </a:xfrm>
@@ -3188,9 +3191,9 @@
             <a:gdLst/>
             <a:ahLst/>
             <a:cxnLst/>
-            <a:rect r="r" b="b" t="t" l="l"/>
+            <a:rect l="l" t="t" r="r" b="b"/>
             <a:pathLst>
-              <a:path h="4200689" w="4121926">
+              <a:path w="4121926" h="4200689">
                 <a:moveTo>
                   <a:pt x="0" y="4200689"/>
                 </a:moveTo>
@@ -3213,19 +3216,19 @@
           <a:blipFill>
             <a:blip r:embed="rId4"/>
             <a:stretch>
-              <a:fillRect l="0" t="0" r="0" b="0"/>
+              <a:fillRect/>
             </a:stretch>
           </a:blipFill>
         </p:spPr>
       </p:sp>
       <p:sp>
         <p:nvSpPr>
-          <p:cNvPr name="Freeform 5" id="5"/>
+          <p:cNvPr id="5" name="Freeform 5"/>
           <p:cNvSpPr/>
           <p:nvPr/>
         </p:nvSpPr>
         <p:spPr>
-          <a:xfrm flipH="true" flipV="true" rot="0">
+          <a:xfrm flipH="1" flipV="1">
             <a:off x="7672371" y="462771"/>
             <a:ext cx="2672683" cy="4298354"/>
           </a:xfrm>
@@ -3234,9 +3237,9 @@
             <a:gdLst/>
             <a:ahLst/>
             <a:cxnLst/>
-            <a:rect r="r" b="b" t="t" l="l"/>
+            <a:rect l="l" t="t" r="r" b="b"/>
             <a:pathLst>
-              <a:path h="4298354" w="2672683">
+              <a:path w="2672683" h="4298354">
                 <a:moveTo>
                   <a:pt x="2672683" y="4298354"/>
                 </a:moveTo>
@@ -3261,19 +3264,19 @@
               <a:alphaModFix amt="31999"/>
             </a:blip>
             <a:stretch>
-              <a:fillRect l="-81980" t="0" r="0" b="0"/>
+              <a:fillRect l="-81980"/>
             </a:stretch>
           </a:blipFill>
         </p:spPr>
       </p:sp>
       <p:sp>
         <p:nvSpPr>
-          <p:cNvPr name="Freeform 6" id="6"/>
+          <p:cNvPr id="6" name="Freeform 6"/>
           <p:cNvSpPr/>
           <p:nvPr/>
         </p:nvSpPr>
         <p:spPr>
-          <a:xfrm flipH="true" flipV="false" rot="0">
+          <a:xfrm flipH="1">
             <a:off x="6974368" y="3792230"/>
             <a:ext cx="4142317" cy="4221469"/>
           </a:xfrm>
@@ -3282,9 +3285,9 @@
             <a:gdLst/>
             <a:ahLst/>
             <a:cxnLst/>
-            <a:rect r="r" b="b" t="t" l="l"/>
+            <a:rect l="l" t="t" r="r" b="b"/>
             <a:pathLst>
-              <a:path h="4221469" w="4142317">
+              <a:path w="4142317" h="4221469">
                 <a:moveTo>
                   <a:pt x="4142316" y="0"/>
                 </a:moveTo>
@@ -3307,19 +3310,19 @@
           <a:blipFill>
             <a:blip r:embed="rId4"/>
             <a:stretch>
-              <a:fillRect l="0" t="0" r="0" b="0"/>
+              <a:fillRect/>
             </a:stretch>
           </a:blipFill>
         </p:spPr>
       </p:sp>
       <p:sp>
         <p:nvSpPr>
-          <p:cNvPr name="Freeform 7" id="7"/>
+          <p:cNvPr id="7" name="Freeform 7"/>
           <p:cNvSpPr/>
           <p:nvPr/>
         </p:nvSpPr>
         <p:spPr>
-          <a:xfrm flipH="false" flipV="false" rot="0">
+          <a:xfrm>
             <a:off x="-117604" y="5819339"/>
             <a:ext cx="1856089" cy="1858412"/>
           </a:xfrm>
@@ -3328,9 +3331,9 @@
             <a:gdLst/>
             <a:ahLst/>
             <a:cxnLst/>
-            <a:rect r="r" b="b" t="t" l="l"/>
+            <a:rect l="l" t="t" r="r" b="b"/>
             <a:pathLst>
-              <a:path h="1858412" w="1856089">
+              <a:path w="1856089" h="1858412">
                 <a:moveTo>
                   <a:pt x="0" y="0"/>
                 </a:moveTo>
@@ -3353,19 +3356,19 @@
           <a:blipFill>
             <a:blip r:embed="rId2"/>
             <a:stretch>
-              <a:fillRect l="0" t="0" r="0" b="0"/>
+              <a:fillRect/>
             </a:stretch>
           </a:blipFill>
         </p:spPr>
       </p:sp>
       <p:sp>
         <p:nvSpPr>
-          <p:cNvPr name="Freeform 8" id="8"/>
+          <p:cNvPr id="8" name="Freeform 8"/>
           <p:cNvSpPr/>
           <p:nvPr/>
         </p:nvSpPr>
         <p:spPr>
-          <a:xfrm flipH="false" flipV="false" rot="0">
+          <a:xfrm>
             <a:off x="324203" y="6158211"/>
             <a:ext cx="962274" cy="963479"/>
           </a:xfrm>
@@ -3374,9 +3377,9 @@
             <a:gdLst/>
             <a:ahLst/>
             <a:cxnLst/>
-            <a:rect r="r" b="b" t="t" l="l"/>
+            <a:rect l="l" t="t" r="r" b="b"/>
             <a:pathLst>
-              <a:path h="963479" w="962274">
+              <a:path w="962274" h="963479">
                 <a:moveTo>
                   <a:pt x="0" y="0"/>
                 </a:moveTo>
@@ -3399,19 +3402,19 @@
           <a:blipFill>
             <a:blip r:embed="rId2"/>
             <a:stretch>
-              <a:fillRect l="0" t="0" r="0" b="0"/>
+              <a:fillRect/>
             </a:stretch>
           </a:blipFill>
         </p:spPr>
       </p:sp>
       <p:sp>
         <p:nvSpPr>
-          <p:cNvPr name="Freeform 9" id="9"/>
+          <p:cNvPr id="9" name="Freeform 9"/>
           <p:cNvSpPr/>
           <p:nvPr/>
         </p:nvSpPr>
         <p:spPr>
-          <a:xfrm flipH="false" flipV="false" rot="0">
+          <a:xfrm>
             <a:off x="2937497" y="1813529"/>
             <a:ext cx="4831215" cy="615980"/>
           </a:xfrm>
@@ -3420,9 +3423,9 @@
             <a:gdLst/>
             <a:ahLst/>
             <a:cxnLst/>
-            <a:rect r="r" b="b" t="t" l="l"/>
+            <a:rect l="l" t="t" r="r" b="b"/>
             <a:pathLst>
-              <a:path h="615980" w="4831215">
+              <a:path w="4831215" h="615980">
                 <a:moveTo>
                   <a:pt x="0" y="0"/>
                 </a:moveTo>
@@ -3451,19 +3454,19 @@
               </a:extLst>
             </a:blip>
             <a:stretch>
-              <a:fillRect l="0" t="0" r="0" b="0"/>
+              <a:fillRect/>
             </a:stretch>
           </a:blipFill>
         </p:spPr>
       </p:sp>
       <p:sp>
         <p:nvSpPr>
-          <p:cNvPr name="Freeform 10" id="10"/>
+          <p:cNvPr id="10" name="Freeform 10"/>
           <p:cNvSpPr/>
           <p:nvPr/>
         </p:nvSpPr>
         <p:spPr>
-          <a:xfrm flipH="true" flipV="true" rot="0">
+          <a:xfrm flipH="1" flipV="1">
             <a:off x="9405523" y="462771"/>
             <a:ext cx="944339" cy="945521"/>
           </a:xfrm>
@@ -3472,9 +3475,9 @@
             <a:gdLst/>
             <a:ahLst/>
             <a:cxnLst/>
-            <a:rect r="r" b="b" t="t" l="l"/>
+            <a:rect l="l" t="t" r="r" b="b"/>
             <a:pathLst>
-              <a:path h="945521" w="944339">
+              <a:path w="944339" h="945521">
                 <a:moveTo>
                   <a:pt x="944339" y="945521"/>
                 </a:moveTo>
@@ -3497,14 +3500,14 @@
           <a:blipFill>
             <a:blip r:embed="rId2"/>
             <a:stretch>
-              <a:fillRect l="0" t="0" r="0" b="0"/>
+              <a:fillRect/>
             </a:stretch>
           </a:blipFill>
         </p:spPr>
       </p:sp>
       <p:sp>
         <p:nvSpPr>
-          <p:cNvPr name="AutoShape 11" id="11"/>
+          <p:cNvPr id="11" name="AutoShape 11"/>
           <p:cNvSpPr/>
           <p:nvPr/>
         </p:nvSpPr>
@@ -3516,24 +3519,24 @@
           <a:prstGeom prst="line">
             <a:avLst/>
           </a:prstGeom>
-          <a:ln cap="flat" w="19050">
+          <a:ln w="19050" cap="flat">
             <a:solidFill>
               <a:srgbClr val="061D55"/>
             </a:solidFill>
             <a:prstDash val="solid"/>
-            <a:headEnd type="oval" len="lg" w="lg"/>
-            <a:tailEnd type="oval" len="lg" w="lg"/>
+            <a:headEnd type="oval" w="lg" len="lg"/>
+            <a:tailEnd type="oval" w="lg" len="lg"/>
           </a:ln>
         </p:spPr>
       </p:sp>
       <p:sp>
         <p:nvSpPr>
-          <p:cNvPr name="Freeform 12" id="12"/>
+          <p:cNvPr id="12" name="Freeform 12"/>
           <p:cNvSpPr/>
           <p:nvPr/>
         </p:nvSpPr>
         <p:spPr>
-          <a:xfrm flipH="false" flipV="false" rot="0">
+          <a:xfrm>
             <a:off x="2327026" y="5585983"/>
             <a:ext cx="1762010" cy="610096"/>
           </a:xfrm>
@@ -3542,9 +3545,9 @@
             <a:gdLst/>
             <a:ahLst/>
             <a:cxnLst/>
-            <a:rect r="r" b="b" t="t" l="l"/>
+            <a:rect l="l" t="t" r="r" b="b"/>
             <a:pathLst>
-              <a:path h="610096" w="1762010">
+              <a:path w="1762010" h="610096">
                 <a:moveTo>
                   <a:pt x="0" y="0"/>
                 </a:moveTo>
@@ -3573,19 +3576,19 @@
               </a:extLst>
             </a:blip>
             <a:stretch>
-              <a:fillRect l="0" t="0" r="0" b="0"/>
+              <a:fillRect/>
             </a:stretch>
           </a:blipFill>
         </p:spPr>
       </p:sp>
       <p:sp>
         <p:nvSpPr>
-          <p:cNvPr name="Freeform 13" id="13"/>
+          <p:cNvPr id="13" name="Freeform 13"/>
           <p:cNvSpPr/>
           <p:nvPr/>
         </p:nvSpPr>
         <p:spPr>
-          <a:xfrm flipH="false" flipV="false" rot="0">
+          <a:xfrm>
             <a:off x="6581094" y="5556023"/>
             <a:ext cx="1535226" cy="702366"/>
           </a:xfrm>
@@ -3594,9 +3597,9 @@
             <a:gdLst/>
             <a:ahLst/>
             <a:cxnLst/>
-            <a:rect r="r" b="b" t="t" l="l"/>
+            <a:rect l="l" t="t" r="r" b="b"/>
             <a:pathLst>
-              <a:path h="702366" w="1535226">
+              <a:path w="1535226" h="702366">
                 <a:moveTo>
                   <a:pt x="0" y="0"/>
                 </a:moveTo>
@@ -3625,19 +3628,19 @@
               </a:extLst>
             </a:blip>
             <a:stretch>
-              <a:fillRect l="0" t="0" r="0" b="0"/>
+              <a:fillRect/>
             </a:stretch>
           </a:blipFill>
         </p:spPr>
       </p:sp>
       <p:sp>
         <p:nvSpPr>
-          <p:cNvPr name="TextBox 14" id="14"/>
-          <p:cNvSpPr txBox="true"/>
+          <p:cNvPr id="14" name="TextBox 14"/>
+          <p:cNvSpPr txBox="1"/>
           <p:nvPr/>
         </p:nvSpPr>
         <p:spPr>
-          <a:xfrm rot="0">
+          <a:xfrm>
             <a:off x="1738485" y="799069"/>
             <a:ext cx="7229238" cy="1094619"/>
           </a:xfrm>
@@ -3646,7 +3649,7 @@
           </a:prstGeom>
         </p:spPr>
         <p:txBody>
-          <a:bodyPr anchor="t" rtlCol="false" tIns="0" lIns="0" bIns="0" rIns="0">
+          <a:bodyPr lIns="0" tIns="0" rIns="0" bIns="0" rtlCol="0" anchor="t">
             <a:spAutoFit/>
           </a:bodyPr>
           <a:lstStyle/>
@@ -3657,7 +3660,7 @@
               </a:lnSpc>
             </a:pPr>
             <a:r>
-              <a:rPr lang="en-US" b="true" sz="6404" spc="518">
+              <a:rPr lang="en-US" sz="6404" b="1" spc="518">
                 <a:solidFill>
                   <a:srgbClr val="061B4D"/>
                 </a:solidFill>
@@ -3673,12 +3676,12 @@
       </p:sp>
       <p:sp>
         <p:nvSpPr>
-          <p:cNvPr name="TextBox 15" id="15"/>
-          <p:cNvSpPr txBox="true"/>
+          <p:cNvPr id="15" name="TextBox 15"/>
+          <p:cNvSpPr txBox="1"/>
           <p:nvPr/>
         </p:nvSpPr>
         <p:spPr>
-          <a:xfrm rot="0">
+          <a:xfrm>
             <a:off x="2520081" y="1727804"/>
             <a:ext cx="5651838" cy="665358"/>
           </a:xfrm>
@@ -3687,7 +3690,7 @@
           </a:prstGeom>
         </p:spPr>
         <p:txBody>
-          <a:bodyPr anchor="t" rtlCol="false" tIns="0" lIns="0" bIns="0" rIns="0">
+          <a:bodyPr lIns="0" tIns="0" rIns="0" bIns="0" rtlCol="0" anchor="t">
             <a:spAutoFit/>
           </a:bodyPr>
           <a:lstStyle/>
@@ -3698,7 +3701,7 @@
               </a:lnSpc>
             </a:pPr>
             <a:r>
-              <a:rPr lang="en-US" sz="3804" i="true">
+              <a:rPr lang="en-US" sz="3804" i="1">
                 <a:solidFill>
                   <a:srgbClr val="061B4D"/>
                 </a:solidFill>
@@ -3714,12 +3717,12 @@
       </p:sp>
       <p:sp>
         <p:nvSpPr>
-          <p:cNvPr name="Freeform 16" id="16"/>
+          <p:cNvPr id="16" name="Freeform 16"/>
           <p:cNvSpPr/>
           <p:nvPr/>
         </p:nvSpPr>
         <p:spPr>
-          <a:xfrm flipH="false" flipV="true" rot="0">
+          <a:xfrm flipV="1">
             <a:off x="350461" y="2407389"/>
             <a:ext cx="2672683" cy="4298354"/>
           </a:xfrm>
@@ -3728,9 +3731,9 @@
             <a:gdLst/>
             <a:ahLst/>
             <a:cxnLst/>
-            <a:rect r="r" b="b" t="t" l="l"/>
+            <a:rect l="l" t="t" r="r" b="b"/>
             <a:pathLst>
-              <a:path h="4298354" w="2672683">
+              <a:path w="2672683" h="4298354">
                 <a:moveTo>
                   <a:pt x="0" y="4298354"/>
                 </a:moveTo>
@@ -3755,19 +3758,19 @@
               <a:alphaModFix amt="31999"/>
             </a:blip>
             <a:stretch>
-              <a:fillRect l="-81980" t="0" r="0" b="0"/>
+              <a:fillRect l="-81980"/>
             </a:stretch>
           </a:blipFill>
         </p:spPr>
       </p:sp>
       <p:sp>
         <p:nvSpPr>
-          <p:cNvPr name="TextBox 17" id="17"/>
-          <p:cNvSpPr txBox="true"/>
+          <p:cNvPr id="17" name="TextBox 17"/>
+          <p:cNvSpPr txBox="1"/>
           <p:nvPr/>
         </p:nvSpPr>
         <p:spPr>
-          <a:xfrm rot="0">
+          <a:xfrm>
             <a:off x="2293155" y="2794143"/>
             <a:ext cx="6105690" cy="240666"/>
           </a:xfrm>
@@ -3776,12 +3779,12 @@
           </a:prstGeom>
         </p:spPr>
         <p:txBody>
-          <a:bodyPr anchor="t" rtlCol="false" tIns="0" lIns="0" bIns="0" rIns="0">
+          <a:bodyPr lIns="0" tIns="0" rIns="0" bIns="0" rtlCol="0" anchor="t">
             <a:spAutoFit/>
           </a:bodyPr>
           <a:lstStyle/>
           <a:p>
-            <a:pPr algn="ctr" marL="0" indent="0" lvl="0">
+            <a:pPr marL="0" lvl="0" indent="0" algn="ctr">
               <a:lnSpc>
                 <a:spcPts val="1870"/>
               </a:lnSpc>
@@ -3790,7 +3793,7 @@
               </a:spcBef>
             </a:pPr>
             <a:r>
-              <a:rPr lang="en-US" b="true" sz="1700" strike="noStrike" u="none">
+              <a:rPr lang="en-US" sz="1700" b="1" u="none" strike="noStrike">
                 <a:solidFill>
                   <a:srgbClr val="061D55"/>
                 </a:solidFill>
@@ -3806,12 +3809,12 @@
       </p:sp>
       <p:sp>
         <p:nvSpPr>
-          <p:cNvPr name="TextBox 18" id="18"/>
-          <p:cNvSpPr txBox="true"/>
+          <p:cNvPr id="18" name="TextBox 18"/>
+          <p:cNvSpPr txBox="1"/>
           <p:nvPr/>
         </p:nvSpPr>
         <p:spPr>
-          <a:xfrm rot="0">
+          <a:xfrm>
             <a:off x="1683287" y="4581969"/>
             <a:ext cx="7325426" cy="613489"/>
           </a:xfrm>
@@ -3820,7 +3823,7 @@
           </a:prstGeom>
         </p:spPr>
         <p:txBody>
-          <a:bodyPr anchor="t" rtlCol="false" tIns="0" lIns="0" bIns="0" rIns="0">
+          <a:bodyPr lIns="0" tIns="0" rIns="0" bIns="0" rtlCol="0" anchor="t">
             <a:spAutoFit/>
           </a:bodyPr>
           <a:lstStyle/>
@@ -3847,12 +3850,12 @@
       </p:sp>
       <p:sp>
         <p:nvSpPr>
-          <p:cNvPr name="TextBox 19" id="19"/>
-          <p:cNvSpPr txBox="true"/>
+          <p:cNvPr id="19" name="TextBox 19"/>
+          <p:cNvSpPr txBox="1"/>
           <p:nvPr/>
         </p:nvSpPr>
         <p:spPr>
-          <a:xfrm rot="0">
+          <a:xfrm>
             <a:off x="2032756" y="6210763"/>
             <a:ext cx="2350551" cy="365204"/>
           </a:xfrm>
@@ -3861,7 +3864,7 @@
           </a:prstGeom>
         </p:spPr>
         <p:txBody>
-          <a:bodyPr anchor="t" rtlCol="false" tIns="0" lIns="0" bIns="0" rIns="0">
+          <a:bodyPr lIns="0" tIns="0" rIns="0" bIns="0" rtlCol="0" anchor="t">
             <a:spAutoFit/>
           </a:bodyPr>
           <a:lstStyle/>
@@ -3872,7 +3875,7 @@
               </a:lnSpc>
             </a:pPr>
             <a:r>
-              <a:rPr lang="en-US" b="true" sz="2121">
+              <a:rPr lang="en-US" sz="2121" b="1">
                 <a:solidFill>
                   <a:srgbClr val="061B4D"/>
                 </a:solidFill>
@@ -3888,12 +3891,12 @@
       </p:sp>
       <p:sp>
         <p:nvSpPr>
-          <p:cNvPr name="TextBox 20" id="20"/>
-          <p:cNvSpPr txBox="true"/>
+          <p:cNvPr id="20" name="TextBox 20"/>
+          <p:cNvSpPr txBox="1"/>
           <p:nvPr/>
         </p:nvSpPr>
         <p:spPr>
-          <a:xfrm rot="0">
+          <a:xfrm>
             <a:off x="6173431" y="6210763"/>
             <a:ext cx="2350551" cy="365204"/>
           </a:xfrm>
@@ -3902,7 +3905,7 @@
           </a:prstGeom>
         </p:spPr>
         <p:txBody>
-          <a:bodyPr anchor="t" rtlCol="false" tIns="0" lIns="0" bIns="0" rIns="0">
+          <a:bodyPr lIns="0" tIns="0" rIns="0" bIns="0" rtlCol="0" anchor="t">
             <a:spAutoFit/>
           </a:bodyPr>
           <a:lstStyle/>
@@ -3913,7 +3916,7 @@
               </a:lnSpc>
             </a:pPr>
             <a:r>
-              <a:rPr lang="en-US" b="true" sz="2121">
+              <a:rPr lang="en-US" sz="2121" b="1">
                 <a:solidFill>
                   <a:srgbClr val="061B4D"/>
                 </a:solidFill>
@@ -3929,12 +3932,12 @@
       </p:sp>
       <p:sp>
         <p:nvSpPr>
-          <p:cNvPr name="TextBox 21" id="21"/>
-          <p:cNvSpPr txBox="true"/>
+          <p:cNvPr id="21" name="TextBox 21"/>
+          <p:cNvSpPr txBox="1"/>
           <p:nvPr/>
         </p:nvSpPr>
         <p:spPr>
-          <a:xfrm rot="0">
+          <a:xfrm>
             <a:off x="2032756" y="6420810"/>
             <a:ext cx="2350551" cy="325199"/>
           </a:xfrm>
@@ -3943,7 +3946,7 @@
           </a:prstGeom>
         </p:spPr>
         <p:txBody>
-          <a:bodyPr anchor="t" rtlCol="false" tIns="0" lIns="0" bIns="0" rIns="0">
+          <a:bodyPr lIns="0" tIns="0" rIns="0" bIns="0" rtlCol="0" anchor="t">
             <a:spAutoFit/>
           </a:bodyPr>
           <a:lstStyle/>
@@ -3954,7 +3957,7 @@
               </a:lnSpc>
             </a:pPr>
             <a:r>
-              <a:rPr lang="en-US" sz="1821" i="true">
+              <a:rPr lang="en-US" sz="1821" i="1">
                 <a:solidFill>
                   <a:srgbClr val="061B4D"/>
                 </a:solidFill>
@@ -3970,12 +3973,12 @@
       </p:sp>
       <p:sp>
         <p:nvSpPr>
-          <p:cNvPr name="TextBox 22" id="22"/>
-          <p:cNvSpPr txBox="true"/>
+          <p:cNvPr id="22" name="TextBox 22"/>
+          <p:cNvSpPr txBox="1"/>
           <p:nvPr/>
         </p:nvSpPr>
         <p:spPr>
-          <a:xfrm rot="0">
+          <a:xfrm>
             <a:off x="6173431" y="6420810"/>
             <a:ext cx="2350551" cy="325199"/>
           </a:xfrm>
@@ -3984,7 +3987,7 @@
           </a:prstGeom>
         </p:spPr>
         <p:txBody>
-          <a:bodyPr anchor="t" rtlCol="false" tIns="0" lIns="0" bIns="0" rIns="0">
+          <a:bodyPr lIns="0" tIns="0" rIns="0" bIns="0" rtlCol="0" anchor="t">
             <a:spAutoFit/>
           </a:bodyPr>
           <a:lstStyle/>
@@ -3995,7 +3998,7 @@
               </a:lnSpc>
             </a:pPr>
             <a:r>
-              <a:rPr lang="en-US" sz="1821" i="true">
+              <a:rPr lang="en-US" sz="1821" i="1">
                 <a:solidFill>
                   <a:srgbClr val="061B4D"/>
                 </a:solidFill>
@@ -4011,12 +4014,12 @@
       </p:sp>
       <p:sp>
         <p:nvSpPr>
-          <p:cNvPr name="Freeform 23" id="23"/>
+          <p:cNvPr id="23" name="Freeform 23"/>
           <p:cNvSpPr/>
           <p:nvPr/>
         </p:nvSpPr>
         <p:spPr>
-          <a:xfrm flipH="false" flipV="false" rot="0">
+          <a:xfrm>
             <a:off x="4813844" y="5421776"/>
             <a:ext cx="1064312" cy="1382224"/>
           </a:xfrm>
@@ -4025,9 +4028,9 @@
             <a:gdLst/>
             <a:ahLst/>
             <a:cxnLst/>
-            <a:rect r="r" b="b" t="t" l="l"/>
+            <a:rect l="l" t="t" r="r" b="b"/>
             <a:pathLst>
-              <a:path h="1382224" w="1064312">
+              <a:path w="1064312" h="1382224">
                 <a:moveTo>
                   <a:pt x="0" y="0"/>
                 </a:moveTo>
@@ -4050,10 +4053,72 @@
           <a:blipFill>
             <a:blip r:embed="rId12"/>
             <a:stretch>
-              <a:fillRect l="0" t="0" r="0" b="0"/>
+              <a:fillRect/>
             </a:stretch>
           </a:blipFill>
         </p:spPr>
+      </p:sp>
+      <p:sp>
+        <p:nvSpPr>
+          <p:cNvPr id="25" name="TextBox 24">
+            <a:extLst>
+              <a:ext uri="{FF2B5EF4-FFF2-40B4-BE49-F238E27FC236}">
+                <a16:creationId xmlns:a16="http://schemas.microsoft.com/office/drawing/2014/main" id="{CCACF085-8A16-F639-4867-97E4B2907D58}"/>
+              </a:ext>
+            </a:extLst>
+          </p:cNvPr>
+          <p:cNvSpPr txBox="1"/>
+          <p:nvPr/>
+        </p:nvSpPr>
+        <p:spPr>
+          <a:xfrm>
+            <a:off x="1218154" y="3417933"/>
+            <a:ext cx="8608604" cy="923330"/>
+          </a:xfrm>
+          <a:prstGeom prst="rect">
+            <a:avLst/>
+          </a:prstGeom>
+          <a:noFill/>
+        </p:spPr>
+        <p:txBody>
+          <a:bodyPr wrap="square" rtlCol="0">
+            <a:spAutoFit/>
+          </a:bodyPr>
+          <a:lstStyle/>
+          <a:p>
+            <a:pPr algn="ctr"/>
+            <a:r>
+              <a:rPr lang="en-GB" sz="5400" b="1" dirty="0">
+                <a:solidFill>
+                  <a:srgbClr val="061B4D"/>
+                </a:solidFill>
+                <a:latin typeface="Arial" panose="020B0604020202020204" pitchFamily="34" charset="0"/>
+                <a:cs typeface="Arial" panose="020B0604020202020204" pitchFamily="34" charset="0"/>
+              </a:rPr>
+              <a:t>{{</a:t>
+            </a:r>
+            <a:r>
+              <a:rPr lang="en-GB" sz="5400" b="1" dirty="0" err="1">
+                <a:solidFill>
+                  <a:srgbClr val="061B4D"/>
+                </a:solidFill>
+                <a:latin typeface="Arial" panose="020B0604020202020204" pitchFamily="34" charset="0"/>
+                <a:cs typeface="Arial" panose="020B0604020202020204" pitchFamily="34" charset="0"/>
+              </a:rPr>
+              <a:t>your_name</a:t>
+            </a:r>
+            <a:r>
+              <a:rPr lang="en-GB" sz="5400" b="1" dirty="0">
+                <a:solidFill>
+                  <a:srgbClr val="061B4D"/>
+                </a:solidFill>
+                <a:latin typeface="Arial" panose="020B0604020202020204" pitchFamily="34" charset="0"/>
+                <a:cs typeface="Arial" panose="020B0604020202020204" pitchFamily="34" charset="0"/>
+              </a:rPr>
+              <a:t>}}</a:t>
+            </a:r>
+          </a:p>
+        </p:txBody>
       </p:sp>
     </p:spTree>
   </p:cSld>
